--- a/smartgrid_465_final_present.pptx
+++ b/smartgrid_465_final_present.pptx
@@ -7070,16 +7070,71 @@
             </a:pPr>
             <a:r>
               <a:rPr lang="en-US" dirty="0"/>
-              <a:t>Our final product was the creation of a system model that can be used to create and test smart grid systems under a large number of </a:t>
-            </a:r>
-            <a:r>
-              <a:rPr lang="en-US"/>
-              <a:t>differing circumstances</a:t>
-            </a:r>
-            <a:endParaRPr lang="en-US" dirty="0"/>
-          </a:p>
-        </p:txBody>
-      </p:sp>
+              <a:t>Our final product was the creation of a system model that can be used to create and test smart grid systems under a large number of differing circumstances</a:t>
+            </a:r>
+          </a:p>
+        </p:txBody>
+      </p:sp>
+      <p:pic>
+        <p:nvPicPr>
+          <p:cNvPr id="4" name="Picture 3">
+            <a:extLst>
+              <a:ext uri="{FF2B5EF4-FFF2-40B4-BE49-F238E27FC236}">
+                <a16:creationId xmlns:a16="http://schemas.microsoft.com/office/drawing/2014/main" id="{79C91DAE-A5F2-451E-84EB-F00E764EF8C4}"/>
+              </a:ext>
+            </a:extLst>
+          </p:cNvPr>
+          <p:cNvPicPr>
+            <a:picLocks noChangeAspect="1"/>
+          </p:cNvPicPr>
+          <p:nvPr/>
+        </p:nvPicPr>
+        <p:blipFill>
+          <a:blip r:embed="rId2"/>
+          <a:stretch>
+            <a:fillRect/>
+          </a:stretch>
+        </p:blipFill>
+        <p:spPr>
+          <a:xfrm>
+            <a:off x="4343400" y="4343400"/>
+            <a:ext cx="3865199" cy="1444877"/>
+          </a:xfrm>
+          <a:prstGeom prst="rect">
+            <a:avLst/>
+          </a:prstGeom>
+        </p:spPr>
+      </p:pic>
+      <p:pic>
+        <p:nvPicPr>
+          <p:cNvPr id="5" name="Picture 4">
+            <a:extLst>
+              <a:ext uri="{FF2B5EF4-FFF2-40B4-BE49-F238E27FC236}">
+                <a16:creationId xmlns:a16="http://schemas.microsoft.com/office/drawing/2014/main" id="{8DC6A9AD-5E78-4EC2-BF75-2DB9D7855964}"/>
+              </a:ext>
+            </a:extLst>
+          </p:cNvPr>
+          <p:cNvPicPr>
+            <a:picLocks noChangeAspect="1"/>
+          </p:cNvPicPr>
+          <p:nvPr/>
+        </p:nvPicPr>
+        <p:blipFill>
+          <a:blip r:embed="rId3"/>
+          <a:stretch>
+            <a:fillRect/>
+          </a:stretch>
+        </p:blipFill>
+        <p:spPr>
+          <a:xfrm>
+            <a:off x="475349" y="3909990"/>
+            <a:ext cx="4038600" cy="2850270"/>
+          </a:xfrm>
+          <a:prstGeom prst="rect">
+            <a:avLst/>
+          </a:prstGeom>
+        </p:spPr>
+      </p:pic>
     </p:spTree>
     <p:extLst>
       <p:ext uri="{BB962C8B-B14F-4D97-AF65-F5344CB8AC3E}">

--- a/smartgrid_465_final_present.pptx
+++ b/smartgrid_465_final_present.pptx
@@ -6296,8 +6296,9 @@
             </a:pPr>
             <a:r>
               <a:rPr lang="en-US" altLang="en-US"/>
-              <a:t>Smart Grid Vulnerability Analysis Methods</a:t>
-            </a:r>
+              <a:t>Final Presentation</a:t>
+            </a:r>
+            <a:endParaRPr lang="en-US" altLang="en-US" dirty="0"/>
           </a:p>
         </p:txBody>
       </p:sp>
@@ -6356,8 +6357,12 @@
               </a:tabLst>
             </a:pPr>
             <a:r>
-              <a:rPr lang="en-US" altLang="en-US"/>
-              <a:t>Nyffeler, Lehman, Ward</a:t>
+              <a:rPr lang="en-US" altLang="en-US" dirty="0" err="1"/>
+              <a:t>Nyffeler</a:t>
+            </a:r>
+            <a:r>
+              <a:rPr lang="en-US" altLang="en-US" dirty="0"/>
+              <a:t>, Lehman, Ward</a:t>
             </a:r>
           </a:p>
         </p:txBody>
